--- a/Tableau, Power Bi and Mint.pptx
+++ b/Tableau, Power Bi and Mint.pptx
@@ -3767,23 +3767,63 @@
           <a:lstStyle/>
           <a:p>
             <a:r>
+              <a:rPr lang="en-US" dirty="0" smtClean="0"/>
+              <a:t>Seamlessly </a:t>
+            </a:r>
+            <a:r>
               <a:rPr lang="en-US" dirty="0"/>
-              <a:t>Power BI integrates seamlessly with other Microsoft products, such as Excel, SharePoint, and Teams, making it easy to incorporate data into existing workflows.</a:t>
-            </a:r>
+              <a:t>with other Microsoft products, such as Excel, SharePoint, and Teams, making it easy to incorporate data into existing workflows</a:t>
+            </a:r>
+            <a:r>
+              <a:rPr lang="en-US" dirty="0" smtClean="0"/>
+              <a:t>.</a:t>
+            </a:r>
+          </a:p>
+          <a:p>
+            <a:endParaRPr lang="en-US" dirty="0"/>
           </a:p>
           <a:p>
             <a:r>
               <a:rPr lang="en-US" dirty="0"/>
-              <a:t>Power BI provides advanced analytics capabilities, such as machine learning and artificial intelligence, which can help users gain insights and make data-driven decisions.</a:t>
-            </a:r>
-          </a:p>
-          <a:p>
+              <a:t>Power BI provides advanced analytics capabilities, such as machine learning and artificial </a:t>
+            </a:r>
+            <a:r>
+              <a:rPr lang="en-US" dirty="0" smtClean="0"/>
+              <a:t>intelligence</a:t>
+            </a:r>
+          </a:p>
+          <a:p>
+            <a:endParaRPr lang="en-US" dirty="0" smtClean="0"/>
+          </a:p>
+          <a:p>
+            <a:r>
+              <a:rPr lang="en-US" dirty="0" smtClean="0"/>
+              <a:t>Power </a:t>
+            </a:r>
             <a:r>
               <a:rPr lang="en-US" dirty="0"/>
-              <a:t>Power BI offers a range of connectors for accessing data from different sources, including cloud-based services like Azure and AWS, making it a versatile tool for data integration and analysis.</a:t>
-            </a:r>
-          </a:p>
-          <a:p>
+              <a:t>BI offers </a:t>
+            </a:r>
+            <a:r>
+              <a:rPr lang="en-US" dirty="0" smtClean="0"/>
+              <a:t>connectors </a:t>
+            </a:r>
+            <a:r>
+              <a:rPr lang="en-US" dirty="0"/>
+              <a:t>for accessing data </a:t>
+            </a:r>
+            <a:r>
+              <a:rPr lang="en-US" dirty="0" smtClean="0"/>
+              <a:t>from cloud-based </a:t>
+            </a:r>
+            <a:r>
+              <a:rPr lang="en-US" dirty="0"/>
+              <a:t>services like Azure and AWS</a:t>
+            </a:r>
+            <a:r>
+              <a:rPr lang="en-US" dirty="0" smtClean="0"/>
+              <a:t>,</a:t>
+            </a:r>
             <a:endParaRPr lang="en-IN" dirty="0"/>
           </a:p>
         </p:txBody>
@@ -3798,6 +3838,13 @@
   <p:clrMapOvr>
     <a:masterClrMapping/>
   </p:clrMapOvr>
+  <p:timing>
+    <p:tnLst>
+      <p:par>
+        <p:cTn id="1" dur="indefinite" restart="never" nodeType="tmRoot"/>
+      </p:par>
+    </p:tnLst>
+  </p:timing>
 </p:sld>
 </file>
 
@@ -3930,34 +3977,83 @@
         </p:spPr>
         <p:txBody>
           <a:bodyPr>
-            <a:normAutofit fontScale="92500" lnSpcReduction="10000"/>
+            <a:normAutofit lnSpcReduction="10000"/>
           </a:bodyPr>
           <a:lstStyle/>
           <a:p>
             <a:r>
+              <a:rPr lang="en-US" dirty="0" smtClean="0"/>
+              <a:t>Cloud-based </a:t>
+            </a:r>
+            <a:r>
               <a:rPr lang="en-US" dirty="0"/>
-              <a:t>Mint is a cloud-based financial management tool that allows users to track and manage their personal finances in one place.</a:t>
-            </a:r>
-          </a:p>
-          <a:p>
+              <a:t>financial management tool </a:t>
+            </a:r>
+            <a:endParaRPr lang="en-US" dirty="0" smtClean="0"/>
+          </a:p>
+          <a:p>
+            <a:endParaRPr lang="en-US" dirty="0" smtClean="0"/>
+          </a:p>
+          <a:p>
+            <a:r>
+              <a:rPr lang="en-US" dirty="0" smtClean="0"/>
+              <a:t>Track </a:t>
+            </a:r>
             <a:r>
               <a:rPr lang="en-US" dirty="0"/>
-              <a:t>Mint automatically pulls in financial data from bank accounts, credit cards, and other financial institutions, allowing users to see their complete financial picture in one place.</a:t>
-            </a:r>
-          </a:p>
-          <a:p>
+              <a:t>and manage their personal finances in one place</a:t>
+            </a:r>
+            <a:r>
+              <a:rPr lang="en-US" dirty="0" smtClean="0"/>
+              <a:t>.</a:t>
+            </a:r>
+          </a:p>
+          <a:p>
+            <a:endParaRPr lang="en-US" dirty="0"/>
+          </a:p>
+          <a:p>
+            <a:r>
+              <a:rPr lang="en-US" dirty="0" smtClean="0"/>
+              <a:t>Pulls </a:t>
+            </a:r>
             <a:r>
               <a:rPr lang="en-US" dirty="0"/>
-              <a:t>Mint provides a dashboard that displays users' financial information, including their account balances, spending, and budgets.</a:t>
-            </a:r>
+              <a:t>in financial data from bank accounts, credit cards, and other financial </a:t>
+            </a:r>
+            <a:r>
+              <a:rPr lang="en-US" dirty="0" smtClean="0"/>
+              <a:t>institutions</a:t>
+            </a:r>
+          </a:p>
+          <a:p>
+            <a:endParaRPr lang="en-US" dirty="0"/>
           </a:p>
           <a:p>
             <a:r>
               <a:rPr lang="en-US" dirty="0"/>
-              <a:t>Mint offers tools for categorizing transactions and creating budgets, which can help users track their spending and manage their finances more effectively.</a:t>
-            </a:r>
-          </a:p>
-          <a:p>
+              <a:t>Mint provides a dashboard that displays users' financial </a:t>
+            </a:r>
+            <a:r>
+              <a:rPr lang="en-US" dirty="0" smtClean="0"/>
+              <a:t>information</a:t>
+            </a:r>
+          </a:p>
+          <a:p>
+            <a:endParaRPr lang="en-US" dirty="0" smtClean="0"/>
+          </a:p>
+          <a:p>
+            <a:r>
+              <a:rPr lang="en-US" dirty="0" smtClean="0"/>
+              <a:t>Mint </a:t>
+            </a:r>
+            <a:r>
+              <a:rPr lang="en-US" dirty="0"/>
+              <a:t>offers tools for categorizing transactions and creating </a:t>
+            </a:r>
+            <a:r>
+              <a:rPr lang="en-US" dirty="0" smtClean="0"/>
+              <a:t>budgets</a:t>
+            </a:r>
             <a:endParaRPr lang="en-IN" dirty="0"/>
           </a:p>
         </p:txBody>
@@ -3972,6 +4068,13 @@
   <p:clrMapOvr>
     <a:masterClrMapping/>
   </p:clrMapOvr>
+  <p:timing>
+    <p:tnLst>
+      <p:par>
+        <p:cTn id="1" dur="indefinite" restart="never" nodeType="tmRoot"/>
+      </p:par>
+    </p:tnLst>
+  </p:timing>
 </p:sld>
 </file>
 
@@ -4010,19 +4113,35 @@
         </p:spPr>
         <p:txBody>
           <a:bodyPr>
-            <a:normAutofit fontScale="92500" lnSpcReduction="20000"/>
+            <a:normAutofit/>
           </a:bodyPr>
           <a:lstStyle/>
           <a:p>
             <a:r>
               <a:rPr lang="en-US" dirty="0"/>
-              <a:t>Mint provides alerts and notifications for bill payments, low balances, and other financial events, helping users stay on top of their finances.</a:t>
-            </a:r>
-          </a:p>
-          <a:p>
+              <a:t>Mint provides alerts and </a:t>
+            </a:r>
+            <a:r>
+              <a:rPr lang="en-US" dirty="0" smtClean="0"/>
+              <a:t>notifications </a:t>
+            </a:r>
             <a:r>
               <a:rPr lang="en-US" dirty="0"/>
-              <a:t>Mint has a mobile app that allows users to access their financial information and manage their finances on the go.</a:t>
+              <a:t>financial </a:t>
+            </a:r>
+            <a:r>
+              <a:rPr lang="en-US" dirty="0" smtClean="0"/>
+              <a:t>events</a:t>
+            </a:r>
+          </a:p>
+          <a:p>
+            <a:r>
+              <a:rPr lang="en-US" dirty="0" smtClean="0"/>
+              <a:t>Access </a:t>
+            </a:r>
+            <a:r>
+              <a:rPr lang="en-US" dirty="0"/>
+              <a:t>their financial information and manage their finances on the go.</a:t>
             </a:r>
           </a:p>
           <a:p>
@@ -4033,8 +4152,12 @@
           </a:p>
           <a:p>
             <a:r>
+              <a:rPr lang="en-US" dirty="0" smtClean="0"/>
+              <a:t>Not </a:t>
+            </a:r>
+            <a:r>
               <a:rPr lang="en-US" dirty="0"/>
-              <a:t>Mint is a popular choice for personal financial management, but it may not be suitable for users with complex financial needs or for those who are concerned about data privacy and security.</a:t>
+              <a:t>be suitable for users with complex financial needs or for those who are concerned about data privacy and security.</a:t>
             </a:r>
           </a:p>
           <a:p>
@@ -4052,6 +4175,13 @@
   <p:clrMapOvr>
     <a:masterClrMapping/>
   </p:clrMapOvr>
+  <p:timing>
+    <p:tnLst>
+      <p:par>
+        <p:cTn id="1" dur="indefinite" restart="never" nodeType="tmRoot"/>
+      </p:par>
+    </p:tnLst>
+  </p:timing>
 </p:sld>
 </file>
 
@@ -4928,6 +5058,13 @@
   <p:clrMapOvr>
     <a:masterClrMapping/>
   </p:clrMapOvr>
+  <p:timing>
+    <p:tnLst>
+      <p:par>
+        <p:cTn id="1" dur="indefinite" restart="never" nodeType="tmRoot"/>
+      </p:par>
+    </p:tnLst>
+  </p:timing>
 </p:sld>
 </file>
 
@@ -4998,7 +5135,15 @@
           <a:p>
             <a:r>
               <a:rPr lang="en-US" dirty="0"/>
-              <a:t>In this presentation, we will compare and contrast the key features of Tableau, Power BI, and MINT to help you make an informed decision on which tool is right for your organization</a:t>
+              <a:t>In this presentation, we will compare and contrast the key features of Tableau, </a:t>
+            </a:r>
+            <a:r>
+              <a:rPr lang="en-US" dirty="0" smtClean="0"/>
+              <a:t>Power </a:t>
+            </a:r>
+            <a:r>
+              <a:rPr lang="en-US" dirty="0"/>
+              <a:t>BI, and MINT to help you make an informed decision on which tool is right for your organization</a:t>
             </a:r>
             <a:r>
               <a:rPr lang="en-US" dirty="0" smtClean="0"/>
@@ -5025,6 +5170,13 @@
   <p:clrMapOvr>
     <a:masterClrMapping/>
   </p:clrMapOvr>
+  <p:timing>
+    <p:tnLst>
+      <p:par>
+        <p:cTn id="1" dur="indefinite" restart="never" nodeType="tmRoot"/>
+      </p:par>
+    </p:tnLst>
+  </p:timing>
 </p:sld>
 </file>
 
@@ -5161,6 +5313,13 @@
   <p:clrMapOvr>
     <a:masterClrMapping/>
   </p:clrMapOvr>
+  <p:timing>
+    <p:tnLst>
+      <p:par>
+        <p:cTn id="1" dur="indefinite" restart="never" nodeType="tmRoot"/>
+      </p:par>
+    </p:tnLst>
+  </p:timing>
 </p:sld>
 </file>
 
@@ -5278,6 +5437,13 @@
   <p:clrMapOvr>
     <a:masterClrMapping/>
   </p:clrMapOvr>
+  <p:timing>
+    <p:tnLst>
+      <p:par>
+        <p:cTn id="1" dur="indefinite" restart="never" nodeType="tmRoot"/>
+      </p:par>
+    </p:tnLst>
+  </p:timing>
 </p:sld>
 </file>
 
@@ -5316,19 +5482,57 @@
         </p:spPr>
         <p:txBody>
           <a:bodyPr>
-            <a:normAutofit fontScale="92500" lnSpcReduction="10000"/>
+            <a:normAutofit lnSpcReduction="10000"/>
           </a:bodyPr>
           <a:lstStyle/>
           <a:p>
             <a:r>
               <a:rPr lang="en-US" dirty="0"/>
-              <a:t>Tableau is a data visualization and business intelligence tool that allows users to connect, analyze, and visualize data.</a:t>
-            </a:r>
-          </a:p>
-          <a:p>
+              <a:t>D</a:t>
+            </a:r>
+            <a:r>
+              <a:rPr lang="en-US" dirty="0" smtClean="0"/>
+              <a:t>ata </a:t>
+            </a:r>
             <a:r>
               <a:rPr lang="en-US" dirty="0"/>
-              <a:t>Tableau supports a wide range of data sources, including spreadsheets, databases, cloud-based services, and big data sources like </a:t>
+              <a:t>visualization and business intelligence tool </a:t>
+            </a:r>
+            <a:endParaRPr lang="en-US" dirty="0"/>
+          </a:p>
+          <a:p>
+            <a:r>
+              <a:rPr lang="en-US" dirty="0" smtClean="0"/>
+              <a:t>Allows </a:t>
+            </a:r>
+            <a:r>
+              <a:rPr lang="en-US" dirty="0"/>
+              <a:t>users to connect, analyze, and visualize data</a:t>
+            </a:r>
+            <a:r>
+              <a:rPr lang="en-US" dirty="0" smtClean="0"/>
+              <a:t>.</a:t>
+            </a:r>
+          </a:p>
+          <a:p>
+            <a:endParaRPr lang="en-US" dirty="0"/>
+          </a:p>
+          <a:p>
+            <a:r>
+              <a:rPr lang="en-US" dirty="0" smtClean="0"/>
+              <a:t>Wide range </a:t>
+            </a:r>
+            <a:r>
+              <a:rPr lang="en-US" dirty="0"/>
+              <a:t>of data </a:t>
+            </a:r>
+            <a:r>
+              <a:rPr lang="en-US" dirty="0" smtClean="0"/>
+              <a:t>sources-spreadsheets</a:t>
+            </a:r>
+            <a:r>
+              <a:rPr lang="en-US" dirty="0"/>
+              <a:t>, databases, cloud-based services, and big data sources like </a:t>
             </a:r>
             <a:r>
               <a:rPr lang="en-US" dirty="0" err="1"/>
@@ -5336,20 +5540,36 @@
             </a:r>
             <a:r>
               <a:rPr lang="en-US" dirty="0"/>
-              <a:t> and Spark.</a:t>
-            </a:r>
-          </a:p>
-          <a:p>
+              <a:t> and Spark</a:t>
+            </a:r>
+            <a:r>
+              <a:rPr lang="en-US" dirty="0" smtClean="0"/>
+              <a:t>.</a:t>
+            </a:r>
+          </a:p>
+          <a:p>
+            <a:endParaRPr lang="en-US" dirty="0"/>
+          </a:p>
+          <a:p>
+            <a:r>
+              <a:rPr lang="en-US" dirty="0" smtClean="0"/>
+              <a:t>Drag-and-drop </a:t>
+            </a:r>
             <a:r>
               <a:rPr lang="en-US" dirty="0"/>
-              <a:t>Tableau provides a drag-and-drop interface for creating interactive dashboards, which can be customized to meet specific business needs.</a:t>
-            </a:r>
-          </a:p>
-          <a:p>
-            <a:r>
-              <a:rPr lang="en-US" dirty="0"/>
-              <a:t>Tableau offers a variety of visualization options, including charts, graphs, maps, and tables, making it easy to present data in a meaningful way.</a:t>
-            </a:r>
+              <a:t>interface </a:t>
+            </a:r>
+            <a:endParaRPr lang="en-US" dirty="0" smtClean="0"/>
+          </a:p>
+          <a:p>
+            <a:endParaRPr lang="en-US" dirty="0" smtClean="0"/>
+          </a:p>
+          <a:p>
+            <a:r>
+              <a:rPr lang="en-US" dirty="0" smtClean="0"/>
+              <a:t>Interactive dashboards</a:t>
+            </a:r>
+            <a:endParaRPr lang="en-US" dirty="0"/>
           </a:p>
           <a:p>
             <a:endParaRPr lang="en-IN" dirty="0"/>
@@ -5366,6 +5586,13 @@
   <p:clrMapOvr>
     <a:masterClrMapping/>
   </p:clrMapOvr>
+  <p:timing>
+    <p:tnLst>
+      <p:par>
+        <p:cTn id="1" dur="indefinite" restart="never" nodeType="tmRoot"/>
+      </p:par>
+    </p:tnLst>
+  </p:timing>
 </p:sld>
 </file>
 
@@ -5404,34 +5631,90 @@
         </p:spPr>
         <p:txBody>
           <a:bodyPr>
-            <a:normAutofit fontScale="92500" lnSpcReduction="10000"/>
+            <a:normAutofit/>
           </a:bodyPr>
           <a:lstStyle/>
           <a:p>
             <a:r>
+              <a:rPr lang="en-US" dirty="0" smtClean="0"/>
+              <a:t>Strong community </a:t>
+            </a:r>
+            <a:r>
               <a:rPr lang="en-US" dirty="0"/>
-              <a:t>Tableau has a strong community of users who share knowledge and best practices, making it easy for new users to learn and get help.</a:t>
-            </a:r>
-          </a:p>
-          <a:p>
+              <a:t>of users </a:t>
+            </a:r>
+            <a:endParaRPr lang="en-US" dirty="0" smtClean="0"/>
+          </a:p>
+          <a:p>
+            <a:r>
+              <a:rPr lang="en-US" dirty="0" smtClean="0"/>
+              <a:t>Range of </a:t>
+            </a:r>
             <a:r>
               <a:rPr lang="en-US" dirty="0"/>
-              <a:t>Tableau offers a range of products, including Tableau Desktop, Tableau Server, and Tableau Online, which provide different levels of functionality and flexibility.</a:t>
-            </a:r>
-          </a:p>
-          <a:p>
+              <a:t>products, including Tableau Desktop, </a:t>
+            </a:r>
+            <a:r>
+              <a:rPr lang="en-US" dirty="0" smtClean="0"/>
+              <a:t>Server</a:t>
+            </a:r>
             <a:r>
               <a:rPr lang="en-US" dirty="0"/>
-              <a:t>Tableau has a high level of flexibility, allowing users to create custom calculations, use scripting languages like R and Python, and build complex data models.</a:t>
-            </a:r>
-          </a:p>
-          <a:p>
+              <a:t>, and </a:t>
+            </a:r>
+            <a:r>
+              <a:rPr lang="en-US" dirty="0" smtClean="0"/>
+              <a:t>Online</a:t>
+            </a:r>
+          </a:p>
+          <a:p>
+            <a:endParaRPr lang="en-US" dirty="0" smtClean="0"/>
+          </a:p>
+          <a:p>
+            <a:r>
+              <a:rPr lang="en-US" dirty="0" smtClean="0"/>
+              <a:t>Different </a:t>
+            </a:r>
             <a:r>
               <a:rPr lang="en-US" dirty="0"/>
-              <a:t>Tableau has a steep learning curve, but its robust functionality and user-friendly interface make it a worthwhile investment for many organizations.</a:t>
-            </a:r>
-          </a:p>
-          <a:p>
+              <a:t>levels of functionality and flexibility.</a:t>
+            </a:r>
+          </a:p>
+          <a:p>
+            <a:r>
+              <a:rPr lang="en-US" dirty="0"/>
+              <a:t>U</a:t>
+            </a:r>
+            <a:r>
+              <a:rPr lang="en-US" dirty="0" smtClean="0"/>
+              <a:t>se </a:t>
+            </a:r>
+            <a:r>
+              <a:rPr lang="en-US" dirty="0"/>
+              <a:t>scripting languages like R and Python, and build complex data models</a:t>
+            </a:r>
+            <a:r>
+              <a:rPr lang="en-US" dirty="0" smtClean="0"/>
+              <a:t>.</a:t>
+            </a:r>
+          </a:p>
+          <a:p>
+            <a:endParaRPr lang="en-US" dirty="0"/>
+          </a:p>
+          <a:p>
+            <a:r>
+              <a:rPr lang="en-US" dirty="0" smtClean="0"/>
+              <a:t>Steep learning curve </a:t>
+            </a:r>
+          </a:p>
+          <a:p>
+            <a:endParaRPr lang="en-US" dirty="0" smtClean="0"/>
+          </a:p>
+          <a:p>
+            <a:r>
+              <a:rPr lang="en-US" dirty="0" smtClean="0"/>
+              <a:t>Robust functionality</a:t>
+            </a:r>
             <a:endParaRPr lang="en-IN" dirty="0"/>
           </a:p>
         </p:txBody>
@@ -5446,6 +5729,13 @@
   <p:clrMapOvr>
     <a:masterClrMapping/>
   </p:clrMapOvr>
+  <p:timing>
+    <p:tnLst>
+      <p:par>
+        <p:cTn id="1" dur="indefinite" restart="never" nodeType="tmRoot"/>
+      </p:par>
+    </p:tnLst>
+  </p:timing>
 </p:sld>
 </file>
 
@@ -5563,6 +5853,13 @@
   <p:clrMapOvr>
     <a:masterClrMapping/>
   </p:clrMapOvr>
+  <p:timing>
+    <p:tnLst>
+      <p:par>
+        <p:cTn id="1" dur="indefinite" restart="never" nodeType="tmRoot"/>
+      </p:par>
+    </p:tnLst>
+  </p:timing>
 </p:sld>
 </file>
 
@@ -5601,35 +5898,69 @@
         </p:spPr>
         <p:txBody>
           <a:bodyPr>
-            <a:normAutofit fontScale="92500" lnSpcReduction="20000"/>
+            <a:normAutofit/>
           </a:bodyPr>
           <a:lstStyle/>
           <a:p>
             <a:r>
               <a:rPr lang="en-US" dirty="0"/>
-              <a:t>Power BI has a user-friendly interface that allows users to create reports and dashboards quickly and easily, with a range of customization options available.</a:t>
-            </a:r>
-          </a:p>
-          <a:p>
+              <a:t>U</a:t>
+            </a:r>
+            <a:r>
+              <a:rPr lang="en-US" dirty="0" smtClean="0"/>
+              <a:t>ser-friendly </a:t>
+            </a:r>
             <a:r>
               <a:rPr lang="en-US" dirty="0"/>
-              <a:t>Power BI allows users to create data models using DAX, a powerful formula language that enables complex calculations and data analysis.</a:t>
-            </a:r>
-          </a:p>
-          <a:p>
+              <a:t>interface </a:t>
+            </a:r>
+            <a:endParaRPr lang="en-US" dirty="0" smtClean="0"/>
+          </a:p>
+          <a:p>
+            <a:endParaRPr lang="en-US" dirty="0"/>
+          </a:p>
+          <a:p>
+            <a:r>
+              <a:rPr lang="en-US" dirty="0" smtClean="0"/>
+              <a:t>DAX</a:t>
+            </a:r>
             <a:r>
               <a:rPr lang="en-US" dirty="0"/>
-              <a:t>Power BI offers a range of visualization options, including custom visuals created by the community, allowing users to present data in a meaningful and engaging way.</a:t>
-            </a:r>
-          </a:p>
-          <a:p>
-            <a:r>
-              <a:rPr lang="en-US" dirty="0"/>
-              <a:t>Power BI offers a range of collaboration and sharing options, including the ability to share reports and dashboards securely with colleagues and stakeholders</a:t>
+              <a:t>, a powerful formula language that enables complex calculations and data analysis</a:t>
             </a:r>
             <a:r>
               <a:rPr lang="en-US" dirty="0" smtClean="0"/>
               <a:t>.</a:t>
+            </a:r>
+          </a:p>
+          <a:p>
+            <a:endParaRPr lang="en-US" dirty="0"/>
+          </a:p>
+          <a:p>
+            <a:r>
+              <a:rPr lang="en-US" dirty="0"/>
+              <a:t>Power BI offers a range of visualization </a:t>
+            </a:r>
+            <a:r>
+              <a:rPr lang="en-US" dirty="0" smtClean="0"/>
+              <a:t>options</a:t>
+            </a:r>
+          </a:p>
+          <a:p>
+            <a:endParaRPr lang="en-US" dirty="0" smtClean="0"/>
+          </a:p>
+          <a:p>
+            <a:r>
+              <a:rPr lang="en-US" dirty="0" smtClean="0"/>
+              <a:t>Power </a:t>
+            </a:r>
+            <a:r>
+              <a:rPr lang="en-US" dirty="0"/>
+              <a:t>BI offers a range of collaboration and sharing </a:t>
+            </a:r>
+            <a:r>
+              <a:rPr lang="en-US" dirty="0" smtClean="0"/>
+              <a:t>options</a:t>
             </a:r>
             <a:endParaRPr lang="en-US" dirty="0"/>
           </a:p>
@@ -5645,6 +5976,13 @@
   <p:clrMapOvr>
     <a:masterClrMapping/>
   </p:clrMapOvr>
+  <p:timing>
+    <p:tnLst>
+      <p:par>
+        <p:cTn id="1" dur="indefinite" restart="never" nodeType="tmRoot"/>
+      </p:par>
+    </p:tnLst>
+  </p:timing>
 </p:sld>
 </file>
 
